--- a/images/readMe.pptx
+++ b/images/readMe.pptx
@@ -255,7 +255,7 @@
                 <a:latin typeface="맑은 고딕" panose="020B0503020000020004" pitchFamily="50" charset="-127"/>
                 <a:ea typeface="맑은 고딕" panose="020B0503020000020004" pitchFamily="50" charset="-127"/>
               </a:rPr>
-              <a:t>2021-06-10</a:t>
+              <a:t>2021-06-14</a:t>
             </a:fld>
             <a:endParaRPr lang="ko-KR" altLang="en-US" dirty="0">
               <a:latin typeface="맑은 고딕" panose="020B0503020000020004" pitchFamily="50" charset="-127"/>
@@ -453,7 +453,7 @@
           <a:p>
             <a:fld id="{C1AD3C92-A668-46E2-BD12-7619418964CA}" type="datetime1">
               <a:rPr lang="ko-KR" altLang="en-US" smtClean="0"/>
-              <a:t>2021-06-10</a:t>
+              <a:t>2021-06-14</a:t>
             </a:fld>
             <a:endParaRPr lang="ko-KR" altLang="en-US" dirty="0"/>
           </a:p>
@@ -46909,7 +46909,9 @@
           </a:xfrm>
         </p:spPr>
         <p:txBody>
-          <a:bodyPr rtlCol="0"/>
+          <a:bodyPr rtlCol="0">
+            <a:normAutofit/>
+          </a:bodyPr>
           <a:lstStyle/>
           <a:p>
             <a:pPr rtl="0"/>
@@ -46944,7 +46946,7 @@
         </p:nvSpPr>
         <p:spPr>
           <a:xfrm>
-            <a:off x="1524000" y="4931514"/>
+            <a:off x="1397000" y="4839155"/>
             <a:ext cx="9144000" cy="459798"/>
           </a:xfrm>
           <a:prstGeom prst="rect">
@@ -47122,7 +47124,15 @@
           <a:p>
             <a:r>
               <a:rPr lang="en-US" altLang="ko-KR" sz="2000" dirty="0"/>
-              <a:t>Natural Language Processing Project</a:t>
+              <a:t>Natural Language Processing</a:t>
+            </a:r>
+            <a:r>
+              <a:rPr lang="ko-KR" altLang="en-US" sz="2000" dirty="0"/>
+              <a:t> </a:t>
+            </a:r>
+            <a:r>
+              <a:rPr lang="en-US" altLang="ko-KR" sz="2000" dirty="0"/>
+              <a:t>+ Machine Learning Project</a:t>
             </a:r>
             <a:endParaRPr lang="ko-KR" altLang="ru-RU" sz="2000" dirty="0"/>
           </a:p>
@@ -47152,6 +47162,35 @@
           <a:xfrm>
             <a:off x="1765300" y="2730298"/>
             <a:ext cx="4203700" cy="943205"/>
+          </a:xfrm>
+          <a:prstGeom prst="rect">
+            <a:avLst/>
+          </a:prstGeom>
+        </p:spPr>
+      </p:pic>
+      <p:pic>
+        <p:nvPicPr>
+          <p:cNvPr id="9" name="그림 8">
+            <a:extLst>
+              <a:ext uri="{FF2B5EF4-FFF2-40B4-BE49-F238E27FC236}">
+                <a16:creationId xmlns:a16="http://schemas.microsoft.com/office/drawing/2014/main" id="{E2DE8878-CC7F-41AA-AB2A-DD7EA1DD5640}"/>
+              </a:ext>
+            </a:extLst>
+          </p:cNvPr>
+          <p:cNvPicPr>
+            <a:picLocks noChangeAspect="1"/>
+          </p:cNvPicPr>
+          <p:nvPr/>
+        </p:nvPicPr>
+        <p:blipFill rotWithShape="1">
+          <a:blip r:embed="rId4"/>
+          <a:srcRect l="4018" t="4234" r="4744" b="-8038"/>
+          <a:stretch/>
+        </p:blipFill>
+        <p:spPr>
+          <a:xfrm>
+            <a:off x="2425148" y="5249258"/>
+            <a:ext cx="7056782" cy="266960"/>
           </a:xfrm>
           <a:prstGeom prst="rect">
             <a:avLst/>
@@ -48206,6 +48245,80 @@
           </a:prstGeom>
         </p:spPr>
       </p:pic>
+      <p:sp>
+        <p:nvSpPr>
+          <p:cNvPr id="9" name="제목 2">
+            <a:extLst>
+              <a:ext uri="{FF2B5EF4-FFF2-40B4-BE49-F238E27FC236}">
+                <a16:creationId xmlns:a16="http://schemas.microsoft.com/office/drawing/2014/main" id="{08751C77-3B94-4EDE-AFD9-38D2190C53FA}"/>
+              </a:ext>
+            </a:extLst>
+          </p:cNvPr>
+          <p:cNvSpPr txBox="1">
+            <a:spLocks/>
+          </p:cNvSpPr>
+          <p:nvPr/>
+        </p:nvSpPr>
+        <p:spPr>
+          <a:xfrm>
+            <a:off x="1133135" y="4907974"/>
+            <a:ext cx="5573740" cy="911311"/>
+          </a:xfrm>
+          <a:prstGeom prst="rect">
+            <a:avLst/>
+          </a:prstGeom>
+        </p:spPr>
+        <p:txBody>
+          <a:bodyPr vert="horz" lIns="0" tIns="0" rIns="0" bIns="0" rtlCol="0" anchor="b" anchorCtr="0">
+            <a:noAutofit/>
+          </a:bodyPr>
+          <a:lstStyle>
+            <a:lvl1pPr algn="l" defTabSz="914400" rtl="0" eaLnBrk="1" latinLnBrk="1" hangingPunct="1">
+              <a:lnSpc>
+                <a:spcPct val="90000"/>
+              </a:lnSpc>
+              <a:spcBef>
+                <a:spcPct val="0"/>
+              </a:spcBef>
+              <a:buNone/>
+              <a:defRPr sz="6000" b="1" kern="1200">
+                <a:solidFill>
+                  <a:schemeClr val="bg2"/>
+                </a:solidFill>
+                <a:latin typeface="맑은 고딕" panose="020B0503020000020004" pitchFamily="50" charset="-127"/>
+                <a:ea typeface="맑은 고딕" panose="020B0503020000020004" pitchFamily="50" charset="-127"/>
+                <a:cs typeface="+mj-cs"/>
+              </a:defRPr>
+            </a:lvl1pPr>
+          </a:lstStyle>
+          <a:p>
+            <a:pPr>
+              <a:lnSpc>
+                <a:spcPct val="150000"/>
+              </a:lnSpc>
+            </a:pPr>
+            <a:r>
+              <a:rPr lang="en-US" altLang="ko-KR" sz="3000" dirty="0"/>
+              <a:t>Classifier, </a:t>
+            </a:r>
+            <a:r>
+              <a:rPr lang="ko-KR" altLang="en-US" sz="3000" dirty="0"/>
+              <a:t>조건부 확률 모델</a:t>
+            </a:r>
+            <a:endParaRPr lang="en-US" altLang="ko-KR" sz="3000" dirty="0"/>
+          </a:p>
+          <a:p>
+            <a:r>
+              <a:rPr lang="en-US" altLang="ko-KR" sz="1600" dirty="0"/>
+              <a:t>- </a:t>
+            </a:r>
+            <a:r>
+              <a:rPr lang="ko-KR" altLang="en-US" sz="1600" dirty="0"/>
+              <a:t>텍스트 분류를 위해 전통적으로 사용되는 분류기</a:t>
+            </a:r>
+          </a:p>
+        </p:txBody>
+      </p:sp>
     </p:spTree>
     <p:extLst>
       <p:ext uri="{BB962C8B-B14F-4D97-AF65-F5344CB8AC3E}">
@@ -48493,6 +48606,72 @@
           </a:prstGeom>
         </p:spPr>
       </p:pic>
+      <p:sp>
+        <p:nvSpPr>
+          <p:cNvPr id="6" name="제목 1">
+            <a:extLst>
+              <a:ext uri="{FF2B5EF4-FFF2-40B4-BE49-F238E27FC236}">
+                <a16:creationId xmlns:a16="http://schemas.microsoft.com/office/drawing/2014/main" id="{8C617DD3-1998-424B-969C-CDCE730E12CB}"/>
+              </a:ext>
+            </a:extLst>
+          </p:cNvPr>
+          <p:cNvSpPr txBox="1">
+            <a:spLocks/>
+          </p:cNvSpPr>
+          <p:nvPr/>
+        </p:nvSpPr>
+        <p:spPr>
+          <a:xfrm>
+            <a:off x="512085" y="3461601"/>
+            <a:ext cx="5021940" cy="804338"/>
+          </a:xfrm>
+          <a:prstGeom prst="rect">
+            <a:avLst/>
+          </a:prstGeom>
+        </p:spPr>
+        <p:txBody>
+          <a:bodyPr vert="horz" lIns="0" tIns="0" rIns="0" bIns="0" rtlCol="0" anchor="b">
+            <a:normAutofit/>
+          </a:bodyPr>
+          <a:lstStyle>
+            <a:lvl1pPr algn="l" defTabSz="914400" rtl="0" eaLnBrk="1" latinLnBrk="1" hangingPunct="1">
+              <a:lnSpc>
+                <a:spcPct val="90000"/>
+              </a:lnSpc>
+              <a:spcBef>
+                <a:spcPct val="0"/>
+              </a:spcBef>
+              <a:buNone/>
+              <a:defRPr sz="3600" b="1" kern="1200">
+                <a:solidFill>
+                  <a:schemeClr val="bg2"/>
+                </a:solidFill>
+                <a:latin typeface="맑은 고딕" panose="020B0503020000020004" pitchFamily="50" charset="-127"/>
+                <a:ea typeface="맑은 고딕" panose="020B0503020000020004" pitchFamily="50" charset="-127"/>
+                <a:cs typeface="+mj-cs"/>
+              </a:defRPr>
+            </a:lvl1pPr>
+          </a:lstStyle>
+          <a:p>
+            <a:r>
+              <a:rPr lang="en-US" altLang="ko-KR" sz="2200" dirty="0"/>
+              <a:t>Text</a:t>
+            </a:r>
+            <a:r>
+              <a:rPr lang="ko-KR" altLang="en-US" sz="2200" dirty="0"/>
+              <a:t>의 긍정</a:t>
+            </a:r>
+            <a:r>
+              <a:rPr lang="en-US" altLang="ko-KR" sz="2200" dirty="0"/>
+              <a:t>, </a:t>
+            </a:r>
+            <a:r>
+              <a:rPr lang="ko-KR" altLang="en-US" sz="2200" dirty="0"/>
+              <a:t>부정 분류</a:t>
+            </a:r>
+          </a:p>
+        </p:txBody>
+      </p:sp>
     </p:spTree>
     <p:extLst>
       <p:ext uri="{BB962C8B-B14F-4D97-AF65-F5344CB8AC3E}">
@@ -48649,6 +48828,69 @@
           </a:prstGeom>
         </p:spPr>
       </p:pic>
+      <p:sp>
+        <p:nvSpPr>
+          <p:cNvPr id="6" name="제목 1">
+            <a:extLst>
+              <a:ext uri="{FF2B5EF4-FFF2-40B4-BE49-F238E27FC236}">
+                <a16:creationId xmlns:a16="http://schemas.microsoft.com/office/drawing/2014/main" id="{A12FE99E-A719-49E1-8B58-09758FBD384F}"/>
+              </a:ext>
+            </a:extLst>
+          </p:cNvPr>
+          <p:cNvSpPr txBox="1">
+            <a:spLocks/>
+          </p:cNvSpPr>
+          <p:nvPr/>
+        </p:nvSpPr>
+        <p:spPr>
+          <a:xfrm>
+            <a:off x="441326" y="3273743"/>
+            <a:ext cx="5021940" cy="1428885"/>
+          </a:xfrm>
+          <a:prstGeom prst="rect">
+            <a:avLst/>
+          </a:prstGeom>
+        </p:spPr>
+        <p:txBody>
+          <a:bodyPr vert="horz" lIns="0" tIns="0" rIns="0" bIns="0" rtlCol="0" anchor="b">
+            <a:normAutofit/>
+          </a:bodyPr>
+          <a:lstStyle>
+            <a:lvl1pPr algn="l" defTabSz="914400" rtl="0" eaLnBrk="1" latinLnBrk="1" hangingPunct="1">
+              <a:lnSpc>
+                <a:spcPct val="90000"/>
+              </a:lnSpc>
+              <a:spcBef>
+                <a:spcPct val="0"/>
+              </a:spcBef>
+              <a:buNone/>
+              <a:defRPr sz="3600" b="1" kern="1200">
+                <a:solidFill>
+                  <a:schemeClr val="bg2"/>
+                </a:solidFill>
+                <a:latin typeface="맑은 고딕" panose="020B0503020000020004" pitchFamily="50" charset="-127"/>
+                <a:ea typeface="맑은 고딕" panose="020B0503020000020004" pitchFamily="50" charset="-127"/>
+                <a:cs typeface="+mj-cs"/>
+              </a:defRPr>
+            </a:lvl1pPr>
+          </a:lstStyle>
+          <a:p>
+            <a:r>
+              <a:rPr lang="en-US" altLang="ko-KR" sz="2400" dirty="0"/>
+              <a:t>Pos – Positive</a:t>
+            </a:r>
+          </a:p>
+          <a:p>
+            <a:r>
+              <a:rPr lang="en-US" altLang="ko-KR" sz="2400" dirty="0"/>
+              <a:t>Neg – Negative</a:t>
+            </a:r>
+          </a:p>
+          <a:p>
+            <a:endParaRPr lang="ko-KR" altLang="en-US" sz="2400" dirty="0"/>
+          </a:p>
+        </p:txBody>
+      </p:sp>
     </p:spTree>
     <p:extLst>
       <p:ext uri="{BB962C8B-B14F-4D97-AF65-F5344CB8AC3E}">
@@ -48921,7 +49163,7 @@
             </a:br>
             <a:r>
               <a:rPr lang="en-US" altLang="ko-KR" sz="2800" dirty="0"/>
-              <a:t>5. DL - Naive Bayes</a:t>
+              <a:t>5. ML - Naive Bayes</a:t>
             </a:r>
             <a:br>
               <a:rPr lang="en-US" altLang="ko-KR" sz="2800" dirty="0"/>
@@ -49031,14 +49273,14 @@
             <a:pPr algn="ctr"/>
             <a:r>
               <a:rPr lang="en-US" altLang="ko-KR" sz="3200" dirty="0"/>
-              <a:t>&amp;</a:t>
+              <a:t>+</a:t>
             </a:r>
           </a:p>
           <a:p>
             <a:pPr algn="ctr"/>
             <a:r>
               <a:rPr lang="en-US" altLang="ko-KR" sz="3200" dirty="0"/>
-              <a:t>Deep Learning</a:t>
+              <a:t>Machine Learning</a:t>
             </a:r>
           </a:p>
         </p:txBody>
@@ -49121,7 +49363,9 @@
         </p:nvSpPr>
         <p:spPr/>
         <p:txBody>
-          <a:bodyPr rtlCol="0"/>
+          <a:bodyPr rtlCol="0">
+            <a:normAutofit fontScale="90000"/>
+          </a:bodyPr>
           <a:lstStyle/>
           <a:p>
             <a:pPr rtl="0"/>
@@ -49130,7 +49374,21 @@
                 <a:latin typeface="맑은 고딕" panose="020B0503020000020004" pitchFamily="50" charset="-127"/>
                 <a:ea typeface="맑은 고딕" panose="020B0503020000020004" pitchFamily="50" charset="-127"/>
               </a:rPr>
-              <a:t>Twitter</a:t>
+              <a:t>Twitter, </a:t>
+            </a:r>
+            <a:r>
+              <a:rPr lang="ko-KR" altLang="en-US" dirty="0">
+                <a:latin typeface="맑은 고딕" panose="020B0503020000020004" pitchFamily="50" charset="-127"/>
+                <a:ea typeface="맑은 고딕" panose="020B0503020000020004" pitchFamily="50" charset="-127"/>
+              </a:rPr>
+              <a:t>정제가 가능할까</a:t>
+            </a:r>
+            <a:r>
+              <a:rPr lang="en-US" altLang="ko-KR" dirty="0">
+                <a:latin typeface="맑은 고딕" panose="020B0503020000020004" pitchFamily="50" charset="-127"/>
+                <a:ea typeface="맑은 고딕" panose="020B0503020000020004" pitchFamily="50" charset="-127"/>
+              </a:rPr>
+              <a:t>?</a:t>
             </a:r>
             <a:endParaRPr lang="ko-KR" altLang="en-US" dirty="0">
               <a:latin typeface="맑은 고딕" panose="020B0503020000020004" pitchFamily="50" charset="-127"/>
@@ -49157,7 +49415,7 @@
         </p:nvSpPr>
         <p:spPr>
           <a:xfrm>
-            <a:off x="826769" y="3244567"/>
+            <a:off x="826769" y="3219400"/>
             <a:ext cx="4560837" cy="2546633"/>
           </a:xfrm>
         </p:spPr>
@@ -49167,127 +49425,135 @@
           </a:bodyPr>
           <a:lstStyle/>
           <a:p>
-            <a:pPr rtl="0"/>
-            <a:r>
-              <a:rPr lang="ko-KR" altLang="en-US" sz="1600" dirty="0"/>
+            <a:pPr algn="just" rtl="0"/>
+            <a:r>
+              <a:rPr lang="ko-KR" altLang="en-US" sz="1500" dirty="0"/>
               <a:t> 트위터는 트윗</a:t>
             </a:r>
             <a:r>
-              <a:rPr lang="en-US" altLang="ko-KR" sz="1600" dirty="0"/>
+              <a:rPr lang="en-US" altLang="ko-KR" sz="1500" dirty="0"/>
               <a:t>, </a:t>
             </a:r>
             <a:r>
-              <a:rPr lang="ko-KR" altLang="en-US" sz="1600" dirty="0" err="1"/>
+              <a:rPr lang="ko-KR" altLang="en-US" sz="1500" dirty="0" err="1"/>
               <a:t>리트윗</a:t>
             </a:r>
             <a:r>
-              <a:rPr lang="ko-KR" altLang="en-US" sz="1600" dirty="0"/>
+              <a:rPr lang="ko-KR" altLang="en-US" sz="1500" dirty="0"/>
               <a:t> 기능을 특징으로 방대한 데이터를 보유하며</a:t>
             </a:r>
             <a:r>
-              <a:rPr lang="en-US" altLang="ko-KR" sz="1600" dirty="0"/>
+              <a:rPr lang="en-US" altLang="ko-KR" sz="1500" dirty="0"/>
               <a:t> </a:t>
             </a:r>
             <a:r>
-              <a:rPr lang="ko-KR" altLang="en-US" sz="1600" dirty="0"/>
+              <a:rPr lang="ko-KR" altLang="en-US" sz="1500" dirty="0"/>
               <a:t>자체 </a:t>
             </a:r>
             <a:r>
-              <a:rPr lang="en-US" altLang="ko-KR" sz="1600" dirty="0"/>
+              <a:rPr lang="en-US" altLang="ko-KR" sz="1500" dirty="0"/>
               <a:t>API,</a:t>
             </a:r>
             <a:r>
-              <a:rPr lang="ko-KR" altLang="en-US" sz="1600" dirty="0"/>
+              <a:rPr lang="ko-KR" altLang="en-US" sz="1500" dirty="0"/>
               <a:t> 라이브러리를 배포하여 </a:t>
             </a:r>
             <a:r>
-              <a:rPr lang="en-US" altLang="ko-KR" sz="1600" dirty="0"/>
+              <a:rPr lang="en-US" altLang="ko-KR" sz="1500" dirty="0"/>
               <a:t>Open Source </a:t>
             </a:r>
             <a:r>
-              <a:rPr lang="ko-KR" altLang="en-US" sz="1600" dirty="0"/>
+              <a:rPr lang="ko-KR" altLang="en-US" sz="1500" dirty="0"/>
               <a:t>에 개방적입니다</a:t>
             </a:r>
             <a:r>
-              <a:rPr lang="en-US" altLang="ko-KR" sz="1600" dirty="0"/>
+              <a:rPr lang="en-US" altLang="ko-KR" sz="1500" dirty="0"/>
               <a:t>.</a:t>
             </a:r>
-            <a:endParaRPr lang="en-US" altLang="ko-KR" sz="1600" dirty="0">
+            <a:endParaRPr lang="en-US" altLang="ko-KR" sz="1500" dirty="0">
               <a:latin typeface="맑은 고딕" panose="020B0503020000020004" pitchFamily="50" charset="-127"/>
               <a:ea typeface="맑은 고딕" panose="020B0503020000020004" pitchFamily="50" charset="-127"/>
             </a:endParaRPr>
           </a:p>
           <a:p>
-            <a:pPr rtl="0"/>
-            <a:r>
-              <a:rPr lang="ko-KR" altLang="en-US" sz="1600" dirty="0"/>
+            <a:pPr algn="just" rtl="0"/>
+            <a:r>
+              <a:rPr lang="ko-KR" altLang="en-US" sz="1500" dirty="0"/>
               <a:t> 하지만</a:t>
             </a:r>
             <a:r>
-              <a:rPr lang="en-US" altLang="ko-KR" sz="1600" dirty="0"/>
+              <a:rPr lang="en-US" altLang="ko-KR" sz="1500" dirty="0"/>
               <a:t>, </a:t>
             </a:r>
             <a:r>
-              <a:rPr lang="ko-KR" altLang="en-US" sz="1600" dirty="0"/>
+              <a:rPr lang="ko-KR" altLang="en-US" sz="1500" dirty="0"/>
               <a:t>이러한 환경에도 불구하고 연구</a:t>
             </a:r>
             <a:r>
-              <a:rPr lang="en-US" altLang="ko-KR" sz="1600" dirty="0"/>
+              <a:rPr lang="en-US" altLang="ko-KR" sz="1500" dirty="0"/>
               <a:t>, </a:t>
             </a:r>
             <a:r>
-              <a:rPr lang="ko-KR" altLang="en-US" sz="1600" dirty="0"/>
+              <a:rPr lang="ko-KR" altLang="en-US" sz="1500" dirty="0"/>
               <a:t>비즈니스 용도로 활용성이 적습니다</a:t>
             </a:r>
             <a:r>
-              <a:rPr lang="en-US" altLang="ko-KR" sz="1600" dirty="0"/>
+              <a:rPr lang="en-US" altLang="ko-KR" sz="1500" dirty="0"/>
               <a:t>. </a:t>
             </a:r>
             <a:r>
-              <a:rPr lang="ko-KR" altLang="en-US" sz="1600" dirty="0"/>
+              <a:rPr lang="ko-KR" altLang="en-US" sz="1500" dirty="0"/>
               <a:t>그 이유는 익명보장 하에 이루어 지는 불법</a:t>
             </a:r>
             <a:r>
-              <a:rPr lang="en-US" altLang="ko-KR" sz="1600" dirty="0"/>
+              <a:rPr lang="en-US" altLang="ko-KR" sz="1500" dirty="0"/>
               <a:t>, </a:t>
             </a:r>
             <a:r>
-              <a:rPr lang="ko-KR" altLang="en-US" sz="1600" dirty="0"/>
+              <a:rPr lang="ko-KR" altLang="en-US" sz="1500" dirty="0"/>
               <a:t>마약</a:t>
             </a:r>
             <a:r>
-              <a:rPr lang="en-US" altLang="ko-KR" sz="1600" dirty="0"/>
+              <a:rPr lang="en-US" altLang="ko-KR" sz="1500" dirty="0"/>
               <a:t>, </a:t>
             </a:r>
             <a:r>
-              <a:rPr lang="ko-KR" altLang="en-US" sz="1600" dirty="0"/>
+              <a:rPr lang="ko-KR" altLang="en-US" sz="1500" dirty="0"/>
               <a:t>욕설</a:t>
             </a:r>
             <a:r>
-              <a:rPr lang="en-US" altLang="ko-KR" sz="1600" dirty="0"/>
+              <a:rPr lang="en-US" altLang="ko-KR" sz="1500" dirty="0"/>
               <a:t> </a:t>
             </a:r>
             <a:r>
-              <a:rPr lang="ko-KR" altLang="en-US" sz="1600" dirty="0"/>
+              <a:rPr lang="ko-KR" altLang="en-US" sz="1500" dirty="0"/>
               <a:t>등의 불건전 데이터가 무수하기 때문입니다</a:t>
             </a:r>
             <a:r>
-              <a:rPr lang="en-US" altLang="ko-KR" sz="1600" dirty="0"/>
+              <a:rPr lang="en-US" altLang="ko-KR" sz="1500" dirty="0"/>
               <a:t>.</a:t>
             </a:r>
           </a:p>
           <a:p>
-            <a:pPr rtl="0"/>
-            <a:r>
-              <a:rPr lang="en-US" altLang="ko-KR" sz="1600" dirty="0"/>
+            <a:pPr algn="just" rtl="0"/>
+            <a:r>
+              <a:rPr lang="en-US" altLang="ko-KR" sz="1500" dirty="0"/>
               <a:t> </a:t>
             </a:r>
             <a:r>
-              <a:rPr lang="ko-KR" altLang="en-US" sz="1600" dirty="0"/>
-              <a:t>다양한 정보가 섞인 데이터를 정제해 보고자 합니다</a:t>
-            </a:r>
-            <a:r>
-              <a:rPr lang="en-US" altLang="ko-KR" sz="1600" dirty="0"/>
+              <a:rPr lang="ko-KR" altLang="en-US" sz="1500" dirty="0"/>
+              <a:t>부정적 데이터만을 제외하기 위해선 먼저</a:t>
+            </a:r>
+            <a:r>
+              <a:rPr lang="en-US" altLang="ko-KR" sz="1500" dirty="0"/>
+              <a:t>, </a:t>
+            </a:r>
+            <a:r>
+              <a:rPr lang="ko-KR" altLang="en-US" sz="1500" dirty="0"/>
+              <a:t>해당 데이터를 추출할 수 있어야 합니다</a:t>
+            </a:r>
+            <a:r>
+              <a:rPr lang="en-US" altLang="ko-KR" sz="1500" dirty="0"/>
               <a:t>.</a:t>
             </a:r>
           </a:p>
@@ -49486,6 +49752,30 @@
               </a:rPr>
               <a:t>NLTK </a:t>
             </a:r>
+            <a:r>
+              <a:rPr lang="en-US" altLang="ko-KR" dirty="0"/>
+              <a:t>for</a:t>
+            </a:r>
+            <a:r>
+              <a:rPr lang="ko-KR" altLang="en-US" dirty="0"/>
+              <a:t> </a:t>
+            </a:r>
+            <a:r>
+              <a:rPr lang="en-US" altLang="ko-KR" dirty="0"/>
+              <a:t>Naïve</a:t>
+            </a:r>
+            <a:r>
+              <a:rPr lang="ko-KR" altLang="en-US" dirty="0"/>
+              <a:t> </a:t>
+            </a:r>
+            <a:r>
+              <a:rPr lang="en-US" altLang="ko-KR" dirty="0"/>
+              <a:t>Bayes</a:t>
+            </a:r>
+            <a:endParaRPr lang="en-US" altLang="ko-KR" dirty="0">
+              <a:latin typeface="맑은 고딕" panose="020B0503020000020004" pitchFamily="50" charset="-127"/>
+              <a:ea typeface="맑은 고딕" panose="020B0503020000020004" pitchFamily="50" charset="-127"/>
+            </a:endParaRPr>
           </a:p>
           <a:p>
             <a:pPr rtl="0"/>
@@ -49495,7 +49785,7 @@
             </a:r>
             <a:r>
               <a:rPr lang="en-US" altLang="ko-KR" dirty="0"/>
-              <a:t> – for </a:t>
+              <a:t> for </a:t>
             </a:r>
             <a:r>
               <a:rPr lang="en-US" altLang="ko-KR" dirty="0" err="1"/>
@@ -50149,32 +50439,104 @@
           <a:p>
             <a:pPr rtl="0"/>
             <a:r>
-              <a:rPr lang="ko-KR" altLang="en-US" dirty="0">
+              <a:rPr lang="en-US" altLang="ko-KR" sz="1600" dirty="0">
                 <a:solidFill>
                   <a:schemeClr val="bg2"/>
                 </a:solidFill>
                 <a:latin typeface="맑은 고딕" panose="020B0503020000020004" pitchFamily="50" charset="-127"/>
                 <a:ea typeface="맑은 고딕" panose="020B0503020000020004" pitchFamily="50" charset="-127"/>
               </a:rPr>
-              <a:t>안락사에 </a:t>
-            </a:r>
-            <a:r>
-              <a:rPr lang="ko-KR" altLang="en-US" dirty="0">
+              <a:t> “</a:t>
+            </a:r>
+            <a:r>
+              <a:rPr lang="ko-KR" altLang="en-US" sz="1600" dirty="0">
                 <a:solidFill>
                   <a:schemeClr val="bg2"/>
                 </a:solidFill>
+                <a:latin typeface="맑은 고딕" panose="020B0503020000020004" pitchFamily="50" charset="-127"/>
+                <a:ea typeface="맑은 고딕" panose="020B0503020000020004" pitchFamily="50" charset="-127"/>
               </a:rPr>
-              <a:t>대한 정보를 다룹니다</a:t>
-            </a:r>
-            <a:r>
-              <a:rPr lang="en-US" altLang="ko-KR" dirty="0">
+              <a:t>안락사</a:t>
+            </a:r>
+            <a:r>
+              <a:rPr lang="en-US" altLang="ko-KR" sz="1600" dirty="0">
+                <a:solidFill>
+                  <a:schemeClr val="bg2"/>
+                </a:solidFill>
+                <a:latin typeface="맑은 고딕" panose="020B0503020000020004" pitchFamily="50" charset="-127"/>
+                <a:ea typeface="맑은 고딕" panose="020B0503020000020004" pitchFamily="50" charset="-127"/>
+              </a:rPr>
+              <a:t>”</a:t>
+            </a:r>
+            <a:r>
+              <a:rPr lang="ko-KR" altLang="en-US" sz="1600" dirty="0">
+                <a:solidFill>
+                  <a:schemeClr val="bg2"/>
+                </a:solidFill>
+                <a:latin typeface="맑은 고딕" panose="020B0503020000020004" pitchFamily="50" charset="-127"/>
+                <a:ea typeface="맑은 고딕" panose="020B0503020000020004" pitchFamily="50" charset="-127"/>
+              </a:rPr>
+              <a:t>는 단어 본연의 뜻 뿐 아니라 비방의 목적으로도 사용되고 있으며 확인 결과</a:t>
+            </a:r>
+            <a:r>
+              <a:rPr lang="en-US" altLang="ko-KR" sz="1600" dirty="0">
+                <a:solidFill>
+                  <a:schemeClr val="bg2"/>
+                </a:solidFill>
+                <a:latin typeface="맑은 고딕" panose="020B0503020000020004" pitchFamily="50" charset="-127"/>
+                <a:ea typeface="맑은 고딕" panose="020B0503020000020004" pitchFamily="50" charset="-127"/>
+              </a:rPr>
+              <a:t>, </a:t>
+            </a:r>
+            <a:r>
+              <a:rPr lang="ko-KR" altLang="en-US" sz="1600" dirty="0">
+                <a:solidFill>
+                  <a:schemeClr val="bg2"/>
+                </a:solidFill>
+                <a:latin typeface="맑은 고딕" panose="020B0503020000020004" pitchFamily="50" charset="-127"/>
+                <a:ea typeface="맑은 고딕" panose="020B0503020000020004" pitchFamily="50" charset="-127"/>
+              </a:rPr>
+              <a:t>불법 의약품 등의 게시 글 에서도 사용됩니다</a:t>
+            </a:r>
+            <a:r>
+              <a:rPr lang="en-US" altLang="ko-KR" sz="1600" dirty="0">
+                <a:solidFill>
+                  <a:schemeClr val="bg2"/>
+                </a:solidFill>
+                <a:latin typeface="맑은 고딕" panose="020B0503020000020004" pitchFamily="50" charset="-127"/>
+                <a:ea typeface="맑은 고딕" panose="020B0503020000020004" pitchFamily="50" charset="-127"/>
+              </a:rPr>
+              <a:t>. </a:t>
+            </a:r>
+            <a:r>
+              <a:rPr lang="ko-KR" altLang="en-US" sz="1600" dirty="0">
+                <a:solidFill>
+                  <a:schemeClr val="bg2"/>
+                </a:solidFill>
+              </a:rPr>
+              <a:t>이중적 결과를 출력하기 때문에 해당 프로젝트에 적합한 키워드로 판단했습니다</a:t>
+            </a:r>
+            <a:r>
+              <a:rPr lang="en-US" altLang="ko-KR" sz="1600" dirty="0">
                 <a:solidFill>
                   <a:schemeClr val="bg2"/>
                 </a:solidFill>
               </a:rPr>
               <a:t>.</a:t>
             </a:r>
-            <a:endParaRPr lang="ko-KR" altLang="en-US" dirty="0">
+            <a:endParaRPr lang="en-US" altLang="ko-KR" sz="1600" dirty="0">
+              <a:solidFill>
+                <a:schemeClr val="bg2"/>
+              </a:solidFill>
+              <a:latin typeface="맑은 고딕" panose="020B0503020000020004" pitchFamily="50" charset="-127"/>
+              <a:ea typeface="맑은 고딕" panose="020B0503020000020004" pitchFamily="50" charset="-127"/>
+            </a:endParaRPr>
+          </a:p>
+          <a:p>
+            <a:pPr marL="0" indent="0" rtl="0">
+              <a:buNone/>
+            </a:pPr>
+            <a:endParaRPr lang="ko-KR" altLang="en-US" sz="1600" dirty="0">
               <a:latin typeface="맑은 고딕" panose="020B0503020000020004" pitchFamily="50" charset="-127"/>
               <a:ea typeface="맑은 고딕" panose="020B0503020000020004" pitchFamily="50" charset="-127"/>
             </a:endParaRPr>
